--- a/MyMemo.pptx
+++ b/MyMemo.pptx
@@ -232,7 +232,7 @@
             <a:pPr rtl="0"/>
             <a:fld id="{DC00D75B-7794-41F3-BB4B-EB8C8BB4884C}" type="datetime1">
               <a:rPr lang="ru-RU" smtClean="0"/>
-              <a:t>13.11.2020</a:t>
+              <a:t>16.11.2020</a:t>
             </a:fld>
             <a:endParaRPr lang="ru-RU" dirty="0"/>
           </a:p>
@@ -413,7 +413,7 @@
             <a:fld id="{36D1A141-A21D-4DB9-AF34-E64D571312E1}" type="datetime1">
               <a:rPr lang="ru-RU" smtClean="0"/>
               <a:pPr/>
-              <a:t>13.11.2020</a:t>
+              <a:t>16.11.2020</a:t>
             </a:fld>
             <a:endParaRPr lang="ru-RU" dirty="0"/>
           </a:p>
@@ -9991,7 +9991,7 @@
                 <a16:creationId xmlns:a16="http://schemas.microsoft.com/office/drawing/2014/main" id="{9CA47B37-80B0-5A4F-BDC3-DE42D5B2D34F}"/>
               </a:ext>
               <a:ext uri="{C183D7F6-B498-43B3-948B-1728B52AA6E4}">
-                <adec:decorative xmlns:adec="http://schemas.microsoft.com/office/drawing/2017/decorative" xmlns="" val="1"/>
+                <adec:decorative xmlns="" xmlns:adec="http://schemas.microsoft.com/office/drawing/2017/decorative" val="1"/>
               </a:ext>
             </a:extLst>
           </p:cNvPr>
@@ -10209,7 +10209,7 @@
                 <a16:creationId xmlns:a16="http://schemas.microsoft.com/office/drawing/2014/main" id="{1A6AC2DF-47CD-A743-A120-FBE75B801CF3}"/>
               </a:ext>
               <a:ext uri="{C183D7F6-B498-43B3-948B-1728B52AA6E4}">
-                <adec:decorative xmlns:adec="http://schemas.microsoft.com/office/drawing/2017/decorative" xmlns="" val="1"/>
+                <adec:decorative xmlns="" xmlns:adec="http://schemas.microsoft.com/office/drawing/2017/decorative" val="1"/>
               </a:ext>
             </a:extLst>
           </p:cNvPr>
@@ -10436,7 +10436,7 @@
                 <a16:creationId xmlns:a16="http://schemas.microsoft.com/office/drawing/2014/main" id="{17E0F6BC-FBF2-3048-B833-61609739028C}"/>
               </a:ext>
               <a:ext uri="{C183D7F6-B498-43B3-948B-1728B52AA6E4}">
-                <adec:decorative xmlns:adec="http://schemas.microsoft.com/office/drawing/2017/decorative" xmlns="" val="1"/>
+                <adec:decorative xmlns="" xmlns:adec="http://schemas.microsoft.com/office/drawing/2017/decorative" val="1"/>
               </a:ext>
             </a:extLst>
           </p:cNvPr>
@@ -10654,7 +10654,7 @@
                 <a16:creationId xmlns:a16="http://schemas.microsoft.com/office/drawing/2014/main" id="{D0B0310F-833E-864C-9FB7-B2B2A6714808}"/>
               </a:ext>
               <a:ext uri="{C183D7F6-B498-43B3-948B-1728B52AA6E4}">
-                <adec:decorative xmlns:adec="http://schemas.microsoft.com/office/drawing/2017/decorative" xmlns="" val="1"/>
+                <adec:decorative xmlns="" xmlns:adec="http://schemas.microsoft.com/office/drawing/2017/decorative" val="1"/>
               </a:ext>
             </a:extLst>
           </p:cNvPr>
@@ -10877,7 +10877,7 @@
                 <a16:creationId xmlns:a16="http://schemas.microsoft.com/office/drawing/2014/main" id="{F906D597-BA39-4C4D-833F-CC0EE989B51C}"/>
               </a:ext>
               <a:ext uri="{C183D7F6-B498-43B3-948B-1728B52AA6E4}">
-                <adec:decorative xmlns:adec="http://schemas.microsoft.com/office/drawing/2017/decorative" xmlns="" val="1"/>
+                <adec:decorative xmlns="" xmlns:adec="http://schemas.microsoft.com/office/drawing/2017/decorative" val="1"/>
               </a:ext>
             </a:extLst>
           </p:cNvPr>
@@ -11244,7 +11244,7 @@
                 <a16:creationId xmlns:a16="http://schemas.microsoft.com/office/drawing/2014/main" id="{7D27D67C-932D-4270-A0E5-6F1F9315A231}"/>
               </a:ext>
               <a:ext uri="{C183D7F6-B498-43B3-948B-1728B52AA6E4}">
-                <adec:decorative xmlns:adec="http://schemas.microsoft.com/office/drawing/2017/decorative" xmlns="" val="1"/>
+                <adec:decorative xmlns="" xmlns:adec="http://schemas.microsoft.com/office/drawing/2017/decorative" val="1"/>
               </a:ext>
             </a:extLst>
           </p:cNvPr>
@@ -11324,7 +11324,7 @@
                 <a16:creationId xmlns:a16="http://schemas.microsoft.com/office/drawing/2014/main" id="{C987A1EC-DB2A-4AA3-8590-C488A6082E11}"/>
               </a:ext>
               <a:ext uri="{C183D7F6-B498-43B3-948B-1728B52AA6E4}">
-                <adec:decorative xmlns:adec="http://schemas.microsoft.com/office/drawing/2017/decorative" xmlns="" val="1"/>
+                <adec:decorative xmlns="" xmlns:adec="http://schemas.microsoft.com/office/drawing/2017/decorative" val="1"/>
               </a:ext>
             </a:extLst>
           </p:cNvPr>
@@ -13112,7 +13112,7 @@
                 <a16:creationId xmlns:a16="http://schemas.microsoft.com/office/drawing/2014/main" id="{4790D010-2852-DE49-BD36-340D6725D1D5}"/>
               </a:ext>
               <a:ext uri="{C183D7F6-B498-43B3-948B-1728B52AA6E4}">
-                <adec:decorative xmlns:adec="http://schemas.microsoft.com/office/drawing/2017/decorative" xmlns="" val="1"/>
+                <adec:decorative xmlns="" xmlns:adec="http://schemas.microsoft.com/office/drawing/2017/decorative" val="1"/>
               </a:ext>
             </a:extLst>
           </p:cNvPr>
@@ -13339,7 +13339,7 @@
                 <a16:creationId xmlns:a16="http://schemas.microsoft.com/office/drawing/2014/main" id="{C5D02C68-EB7D-E044-99A9-658364A3B2F0}"/>
               </a:ext>
               <a:ext uri="{C183D7F6-B498-43B3-948B-1728B52AA6E4}">
-                <adec:decorative xmlns:adec="http://schemas.microsoft.com/office/drawing/2017/decorative" xmlns="" val="1"/>
+                <adec:decorative xmlns="" xmlns:adec="http://schemas.microsoft.com/office/drawing/2017/decorative" val="1"/>
               </a:ext>
             </a:extLst>
           </p:cNvPr>
@@ -13557,7 +13557,7 @@
                 <a16:creationId xmlns:a16="http://schemas.microsoft.com/office/drawing/2014/main" id="{45962E1D-1D13-2B48-9F3B-CE31039DD236}"/>
               </a:ext>
               <a:ext uri="{C183D7F6-B498-43B3-948B-1728B52AA6E4}">
-                <adec:decorative xmlns:adec="http://schemas.microsoft.com/office/drawing/2017/decorative" xmlns="" val="1"/>
+                <adec:decorative xmlns="" xmlns:adec="http://schemas.microsoft.com/office/drawing/2017/decorative" val="1"/>
               </a:ext>
             </a:extLst>
           </p:cNvPr>
@@ -13929,7 +13929,7 @@
                 <a16:creationId xmlns:a16="http://schemas.microsoft.com/office/drawing/2014/main" id="{B9777B06-12C0-49D3-A18F-49D1E0574CE3}"/>
               </a:ext>
               <a:ext uri="{C183D7F6-B498-43B3-948B-1728B52AA6E4}">
-                <adec:decorative xmlns:adec="http://schemas.microsoft.com/office/drawing/2017/decorative" xmlns="" val="1"/>
+                <adec:decorative xmlns="" xmlns:adec="http://schemas.microsoft.com/office/drawing/2017/decorative" val="1"/>
               </a:ext>
             </a:extLst>
           </p:cNvPr>
@@ -14047,7 +14047,7 @@
                 <a16:creationId xmlns:a16="http://schemas.microsoft.com/office/drawing/2014/main" id="{5E3B0AD5-3645-8443-891F-C0E1D9763D7A}"/>
               </a:ext>
               <a:ext uri="{C183D7F6-B498-43B3-948B-1728B52AA6E4}">
-                <adec:decorative xmlns:adec="http://schemas.microsoft.com/office/drawing/2017/decorative" xmlns="" val="1"/>
+                <adec:decorative xmlns="" xmlns:adec="http://schemas.microsoft.com/office/drawing/2017/decorative" val="1"/>
               </a:ext>
             </a:extLst>
           </p:cNvPr>
@@ -14274,7 +14274,7 @@
                 <a16:creationId xmlns:a16="http://schemas.microsoft.com/office/drawing/2014/main" id="{BE9B724A-B58C-CD4D-8980-C0DFE08B79B5}"/>
               </a:ext>
               <a:ext uri="{C183D7F6-B498-43B3-948B-1728B52AA6E4}">
-                <adec:decorative xmlns:adec="http://schemas.microsoft.com/office/drawing/2017/decorative" xmlns="" val="1"/>
+                <adec:decorative xmlns="" xmlns:adec="http://schemas.microsoft.com/office/drawing/2017/decorative" val="1"/>
               </a:ext>
             </a:extLst>
           </p:cNvPr>
@@ -14497,7 +14497,7 @@
                 <a16:creationId xmlns:a16="http://schemas.microsoft.com/office/drawing/2014/main" id="{28894D68-6E31-8646-BFD7-2C0D8C4CD961}"/>
               </a:ext>
               <a:ext uri="{C183D7F6-B498-43B3-948B-1728B52AA6E4}">
-                <adec:decorative xmlns:adec="http://schemas.microsoft.com/office/drawing/2017/decorative" xmlns="" val="1"/>
+                <adec:decorative xmlns="" xmlns:adec="http://schemas.microsoft.com/office/drawing/2017/decorative" val="1"/>
               </a:ext>
             </a:extLst>
           </p:cNvPr>
@@ -14977,7 +14977,7 @@
                 <a16:creationId xmlns:a16="http://schemas.microsoft.com/office/drawing/2014/main" id="{99D3E8CF-7C38-4321-A56A-49D7CA2A814B}"/>
               </a:ext>
               <a:ext uri="{C183D7F6-B498-43B3-948B-1728B52AA6E4}">
-                <adec:decorative xmlns:adec="http://schemas.microsoft.com/office/drawing/2017/decorative" xmlns="" val="1"/>
+                <adec:decorative xmlns="" xmlns:adec="http://schemas.microsoft.com/office/drawing/2017/decorative" val="1"/>
               </a:ext>
             </a:extLst>
           </p:cNvPr>
@@ -15057,7 +15057,7 @@
                 <a16:creationId xmlns:a16="http://schemas.microsoft.com/office/drawing/2014/main" id="{326A7FE8-1975-474D-B747-D7B028C10D81}"/>
               </a:ext>
               <a:ext uri="{C183D7F6-B498-43B3-948B-1728B52AA6E4}">
-                <adec:decorative xmlns:adec="http://schemas.microsoft.com/office/drawing/2017/decorative" xmlns="" val="1"/>
+                <adec:decorative xmlns="" xmlns:adec="http://schemas.microsoft.com/office/drawing/2017/decorative" val="1"/>
               </a:ext>
             </a:extLst>
           </p:cNvPr>
@@ -15211,7 +15211,7 @@
                 <a16:creationId xmlns:a16="http://schemas.microsoft.com/office/drawing/2014/main" id="{69D5DB0A-C96D-4B82-95B6-E7A7B8E6687B}"/>
               </a:ext>
               <a:ext uri="{C183D7F6-B498-43B3-948B-1728B52AA6E4}">
-                <adec:decorative xmlns:adec="http://schemas.microsoft.com/office/drawing/2017/decorative" xmlns="" val="1"/>
+                <adec:decorative xmlns="" xmlns:adec="http://schemas.microsoft.com/office/drawing/2017/decorative" val="1"/>
               </a:ext>
             </a:extLst>
           </p:cNvPr>
@@ -15589,7 +15589,7 @@
                 <a16:creationId xmlns:a16="http://schemas.microsoft.com/office/drawing/2014/main" id="{390CA185-E043-470F-95CF-875B2290368D}"/>
               </a:ext>
               <a:ext uri="{C183D7F6-B498-43B3-948B-1728B52AA6E4}">
-                <adec:decorative xmlns:adec="http://schemas.microsoft.com/office/drawing/2017/decorative" xmlns="" val="1"/>
+                <adec:decorative xmlns="" xmlns:adec="http://schemas.microsoft.com/office/drawing/2017/decorative" val="1"/>
               </a:ext>
             </a:extLst>
           </p:cNvPr>
@@ -15812,7 +15812,7 @@
                 <a16:creationId xmlns:a16="http://schemas.microsoft.com/office/drawing/2014/main" id="{F1A887C7-02BE-4F5E-8DCF-A46A0C58093F}"/>
               </a:ext>
               <a:ext uri="{C183D7F6-B498-43B3-948B-1728B52AA6E4}">
-                <adec:decorative xmlns:adec="http://schemas.microsoft.com/office/drawing/2017/decorative" xmlns="" val="1"/>
+                <adec:decorative xmlns="" xmlns:adec="http://schemas.microsoft.com/office/drawing/2017/decorative" val="1"/>
               </a:ext>
             </a:extLst>
           </p:cNvPr>
@@ -16030,7 +16030,7 @@
                 <a16:creationId xmlns:a16="http://schemas.microsoft.com/office/drawing/2014/main" id="{22D0F7D1-0D65-4376-B381-E7B5C5F9EA0E}"/>
               </a:ext>
               <a:ext uri="{C183D7F6-B498-43B3-948B-1728B52AA6E4}">
-                <adec:decorative xmlns:adec="http://schemas.microsoft.com/office/drawing/2017/decorative" xmlns="" val="1"/>
+                <adec:decorative xmlns="" xmlns:adec="http://schemas.microsoft.com/office/drawing/2017/decorative" val="1"/>
               </a:ext>
             </a:extLst>
           </p:cNvPr>
@@ -16257,7 +16257,7 @@
                 <a16:creationId xmlns:a16="http://schemas.microsoft.com/office/drawing/2014/main" id="{7402406B-416D-47F8-A75D-831B8879AA66}"/>
               </a:ext>
               <a:ext uri="{C183D7F6-B498-43B3-948B-1728B52AA6E4}">
-                <adec:decorative xmlns:adec="http://schemas.microsoft.com/office/drawing/2017/decorative" xmlns="" val="1"/>
+                <adec:decorative xmlns="" xmlns:adec="http://schemas.microsoft.com/office/drawing/2017/decorative" val="1"/>
               </a:ext>
             </a:extLst>
           </p:cNvPr>
@@ -16480,7 +16480,7 @@
                 <a16:creationId xmlns:a16="http://schemas.microsoft.com/office/drawing/2014/main" id="{8E1008A4-54EE-4B43-9BCF-279C5CEA2D52}"/>
               </a:ext>
               <a:ext uri="{C183D7F6-B498-43B3-948B-1728B52AA6E4}">
-                <adec:decorative xmlns:adec="http://schemas.microsoft.com/office/drawing/2017/decorative" xmlns="" val="1"/>
+                <adec:decorative xmlns="" xmlns:adec="http://schemas.microsoft.com/office/drawing/2017/decorative" val="1"/>
               </a:ext>
             </a:extLst>
           </p:cNvPr>
@@ -16560,7 +16560,7 @@
                 <a16:creationId xmlns:a16="http://schemas.microsoft.com/office/drawing/2014/main" id="{8BD3F08B-8063-4DB3-9FBB-D9B9215CBA7C}"/>
               </a:ext>
               <a:ext uri="{C183D7F6-B498-43B3-948B-1728B52AA6E4}">
-                <adec:decorative xmlns:adec="http://schemas.microsoft.com/office/drawing/2017/decorative" xmlns="" val="1"/>
+                <adec:decorative xmlns="" xmlns:adec="http://schemas.microsoft.com/office/drawing/2017/decorative" val="1"/>
               </a:ext>
             </a:extLst>
           </p:cNvPr>
@@ -19915,7 +19915,7 @@
               <a:rPr lang="en-US" sz="8000" cap="none" dirty="0" err="1" smtClean="0">
                 <a:latin typeface="LEIXO DEMO" panose="00000500000000000000" pitchFamily="2" charset="0"/>
               </a:rPr>
-              <a:t>MyMemo</a:t>
+              <a:t>mYmEmO</a:t>
             </a:r>
             <a:endParaRPr lang="ru-RU" sz="8000" cap="none" dirty="0"/>
           </a:p>
@@ -20318,6 +20318,13 @@
   <p:clrMapOvr>
     <a:masterClrMapping/>
   </p:clrMapOvr>
+  <p:timing>
+    <p:tnLst>
+      <p:par>
+        <p:cTn id="1" dur="indefinite" restart="never" nodeType="tmRoot"/>
+      </p:par>
+    </p:tnLst>
+  </p:timing>
 </p:sld>
 </file>
 
@@ -20390,6 +20397,13 @@
   <p:clrMapOvr>
     <a:masterClrMapping/>
   </p:clrMapOvr>
+  <p:timing>
+    <p:tnLst>
+      <p:par>
+        <p:cTn id="1" dur="indefinite" restart="never" nodeType="tmRoot"/>
+      </p:par>
+    </p:tnLst>
+  </p:timing>
 </p:sld>
 </file>
 
@@ -20882,6 +20896,13 @@
   <p:clrMapOvr>
     <a:masterClrMapping/>
   </p:clrMapOvr>
+  <p:timing>
+    <p:tnLst>
+      <p:par>
+        <p:cTn id="1" dur="indefinite" restart="never" nodeType="tmRoot"/>
+      </p:par>
+    </p:tnLst>
+  </p:timing>
 </p:sld>
 </file>
 
@@ -20914,8 +20935,8 @@
         </p:nvSpPr>
         <p:spPr>
           <a:xfrm>
-            <a:off x="601682" y="3063928"/>
-            <a:ext cx="10038609" cy="884618"/>
+            <a:off x="601682" y="2598821"/>
+            <a:ext cx="10038609" cy="1957137"/>
           </a:xfrm>
         </p:spPr>
         <p:txBody>
@@ -20958,11 +20979,54 @@
             </a:r>
             <a:r>
               <a:rPr lang="en-US" sz="2400" dirty="0" smtClean="0"/>
-              <a:t> - HEX-</a:t>
+              <a:t> </a:t>
+            </a:r>
+            <a:r>
+              <a:rPr lang="en-US" sz="2400" dirty="0" smtClean="0"/>
+              <a:t>- </a:t>
+            </a:r>
+            <a:r>
+              <a:rPr lang="en-US" sz="2400" dirty="0" smtClean="0"/>
+              <a:t>HEX-</a:t>
             </a:r>
             <a:r>
               <a:rPr lang="ru-RU" sz="2400" dirty="0" smtClean="0"/>
-              <a:t>коды градиентов</a:t>
+              <a:t>коды </a:t>
+            </a:r>
+            <a:r>
+              <a:rPr lang="ru-RU" sz="2400" dirty="0" smtClean="0"/>
+              <a:t>градиентов</a:t>
+            </a:r>
+            <a:endParaRPr lang="en-US" sz="2400" dirty="0" smtClean="0"/>
+          </a:p>
+          <a:p>
+            <a:r>
+              <a:rPr lang="en-US" sz="2400" dirty="0">
+                <a:hlinkClick r:id="rId4"/>
+              </a:rPr>
+              <a:t>https://</a:t>
+            </a:r>
+            <a:r>
+              <a:rPr lang="en-US" sz="2400" dirty="0" smtClean="0">
+                <a:hlinkClick r:id="rId4"/>
+              </a:rPr>
+              <a:t>doc.qt.io/qtforpython/PySide2/QtWidgets/index.html#module-PySide2.QtWidgets</a:t>
+            </a:r>
+            <a:r>
+              <a:rPr lang="en-US" sz="2400" dirty="0" smtClean="0"/>
+              <a:t> - </a:t>
+            </a:r>
+            <a:r>
+              <a:rPr lang="ru-RU" sz="2400" dirty="0" smtClean="0"/>
+              <a:t>Официальная документация по</a:t>
+            </a:r>
+            <a:r>
+              <a:rPr lang="en-US" sz="2400" dirty="0" smtClean="0"/>
+              <a:t> </a:t>
+            </a:r>
+            <a:r>
+              <a:rPr lang="en-US" sz="2400" dirty="0" err="1" smtClean="0"/>
+              <a:t>Qt</a:t>
             </a:r>
             <a:endParaRPr lang="ru-RU" sz="2400" dirty="0"/>
           </a:p>
@@ -21067,7 +21131,12 @@
             <p:ph type="ctrTitle"/>
           </p:nvPr>
         </p:nvSpPr>
-        <p:spPr/>
+        <p:spPr>
+          <a:xfrm>
+            <a:off x="7162799" y="1666170"/>
+            <a:ext cx="4456700" cy="2167600"/>
+          </a:xfrm>
+        </p:spPr>
         <p:txBody>
           <a:bodyPr/>
           <a:lstStyle/>
@@ -21090,7 +21159,12 @@
             <p:ph type="subTitle" idx="1"/>
           </p:nvPr>
         </p:nvSpPr>
-        <p:spPr/>
+        <p:spPr>
+          <a:xfrm>
+            <a:off x="7164564" y="3833770"/>
+            <a:ext cx="4123927" cy="271807"/>
+          </a:xfrm>
+        </p:spPr>
         <p:txBody>
           <a:bodyPr/>
           <a:lstStyle/>
@@ -21113,7 +21187,12 @@
             <p:ph type="body" sz="quarter" idx="15"/>
           </p:nvPr>
         </p:nvSpPr>
-        <p:spPr/>
+        <p:spPr>
+          <a:xfrm>
+            <a:off x="7164564" y="4239940"/>
+            <a:ext cx="4123927" cy="252000"/>
+          </a:xfrm>
+        </p:spPr>
         <p:txBody>
           <a:bodyPr/>
           <a:lstStyle/>
@@ -21142,7 +21221,12 @@
             <p:ph type="body" sz="quarter" idx="16"/>
           </p:nvPr>
         </p:nvSpPr>
-        <p:spPr/>
+        <p:spPr>
+          <a:xfrm>
+            <a:off x="7164564" y="4626303"/>
+            <a:ext cx="4123927" cy="252000"/>
+          </a:xfrm>
+        </p:spPr>
         <p:txBody>
           <a:bodyPr/>
           <a:lstStyle/>
@@ -21165,12 +21249,59 @@
             <p:ph type="body" sz="quarter" idx="17"/>
           </p:nvPr>
         </p:nvSpPr>
-        <p:spPr/>
+        <p:spPr>
+          <a:xfrm>
+            <a:off x="7252103" y="5273540"/>
+            <a:ext cx="4278091" cy="871300"/>
+          </a:xfrm>
+        </p:spPr>
         <p:txBody>
           <a:bodyPr/>
           <a:lstStyle/>
           <a:p>
-            <a:endParaRPr lang="ru-RU" dirty="0"/>
+            <a:pPr>
+              <a:lnSpc>
+                <a:spcPct val="100000"/>
+              </a:lnSpc>
+              <a:spcBef>
+                <a:spcPts val="600"/>
+              </a:spcBef>
+            </a:pPr>
+            <a:r>
+              <a:rPr lang="ru-RU" sz="2000" dirty="0" smtClean="0"/>
+              <a:t>Итоговый </a:t>
+            </a:r>
+            <a:r>
+              <a:rPr lang="ru-RU" sz="2000" dirty="0" err="1" smtClean="0"/>
+              <a:t>репозиторий</a:t>
+            </a:r>
+            <a:r>
+              <a:rPr lang="ru-RU" sz="2000" dirty="0" smtClean="0"/>
+              <a:t>:</a:t>
+            </a:r>
+          </a:p>
+          <a:p>
+            <a:pPr>
+              <a:lnSpc>
+                <a:spcPct val="100000"/>
+              </a:lnSpc>
+              <a:spcBef>
+                <a:spcPts val="600"/>
+              </a:spcBef>
+            </a:pPr>
+            <a:r>
+              <a:rPr lang="en-US" sz="2000" dirty="0" smtClean="0">
+                <a:hlinkClick r:id="rId2"/>
+              </a:rPr>
+              <a:t>https</a:t>
+            </a:r>
+            <a:r>
+              <a:rPr lang="en-US" sz="2000" dirty="0">
+                <a:hlinkClick r:id="rId2"/>
+              </a:rPr>
+              <a:t>://github.com/EgorkA82/MyMemo</a:t>
+            </a:r>
+            <a:endParaRPr lang="ru-RU" sz="2000" dirty="0"/>
           </a:p>
         </p:txBody>
       </p:sp>
@@ -21522,6 +21653,13 @@
   <p:clrMapOvr>
     <a:masterClrMapping/>
   </p:clrMapOvr>
+  <p:timing>
+    <p:tnLst>
+      <p:par>
+        <p:cTn id="1" dur="indefinite" restart="never" nodeType="tmRoot"/>
+      </p:par>
+    </p:tnLst>
+  </p:timing>
 </p:sld>
 </file>
 
@@ -21689,6 +21827,13 @@
   <p:clrMapOvr>
     <a:masterClrMapping/>
   </p:clrMapOvr>
+  <p:timing>
+    <p:tnLst>
+      <p:par>
+        <p:cTn id="1" dur="indefinite" restart="never" nodeType="tmRoot"/>
+      </p:par>
+    </p:tnLst>
+  </p:timing>
 </p:sld>
 </file>
 
@@ -21872,6 +22017,13 @@
   <p:clrMapOvr>
     <a:masterClrMapping/>
   </p:clrMapOvr>
+  <p:timing>
+    <p:tnLst>
+      <p:par>
+        <p:cTn id="1" dur="indefinite" restart="never" nodeType="tmRoot"/>
+      </p:par>
+    </p:tnLst>
+  </p:timing>
 </p:sld>
 </file>
 
@@ -22043,6 +22195,13 @@
   <p:clrMapOvr>
     <a:masterClrMapping/>
   </p:clrMapOvr>
+  <p:timing>
+    <p:tnLst>
+      <p:par>
+        <p:cTn id="1" dur="indefinite" restart="never" nodeType="tmRoot"/>
+      </p:par>
+    </p:tnLst>
+  </p:timing>
 </p:sld>
 </file>
 
@@ -22293,6 +22452,13 @@
   <p:clrMapOvr>
     <a:masterClrMapping/>
   </p:clrMapOvr>
+  <p:timing>
+    <p:tnLst>
+      <p:par>
+        <p:cTn id="1" dur="indefinite" restart="never" nodeType="tmRoot"/>
+      </p:par>
+    </p:tnLst>
+  </p:timing>
 </p:sld>
 </file>
 
@@ -22465,6 +22631,13 @@
   <p:clrMapOvr>
     <a:masterClrMapping/>
   </p:clrMapOvr>
+  <p:timing>
+    <p:tnLst>
+      <p:par>
+        <p:cTn id="1" dur="indefinite" restart="never" nodeType="tmRoot"/>
+      </p:par>
+    </p:tnLst>
+  </p:timing>
 </p:sld>
 </file>
 
@@ -23365,6 +23538,15 @@
 </file>
 
 <file path=customXml/item1.xml><?xml version="1.0" encoding="utf-8"?>
+<?mso-contentType ?>
+<FormTemplates xmlns="http://schemas.microsoft.com/sharepoint/v3/contenttype/forms">
+  <Display>DocumentLibraryForm</Display>
+  <Edit>DocumentLibraryForm</Edit>
+  <New>DocumentLibraryForm</New>
+</FormTemplates>
+</file>
+
+<file path=customXml/item2.xml><?xml version="1.0" encoding="utf-8"?>
 <ct:contentTypeSchema xmlns:ct="http://schemas.microsoft.com/office/2006/metadata/contentType" xmlns:ma="http://schemas.microsoft.com/office/2006/metadata/properties/metaAttributes" ct:_="" ma:_="" ma:contentTypeName="Document" ma:contentTypeID="0x01010079F111ED35F8CC479449609E8A0923A6" ma:contentTypeVersion="10" ma:contentTypeDescription="Create a new document." ma:contentTypeScope="" ma:versionID="e39e7e9e36de66d473ce04bb4ab2dbb8">
   <xsd:schema xmlns:xsd="http://www.w3.org/2001/XMLSchema" xmlns:xs="http://www.w3.org/2001/XMLSchema" xmlns:p="http://schemas.microsoft.com/office/2006/metadata/properties" xmlns:ns2="71af3243-3dd4-4a8d-8c0d-dd76da1f02a5" xmlns:ns3="16c05727-aa75-4e4a-9b5f-8a80a1165891" targetNamespace="http://schemas.microsoft.com/office/2006/metadata/properties" ma:root="true" ma:fieldsID="19dc5994665da46609c24125788630d8" ns2:_="" ns3:_="">
     <xsd:import namespace="71af3243-3dd4-4a8d-8c0d-dd76da1f02a5"/>
@@ -23569,15 +23751,6 @@
 </ct:contentTypeSchema>
 </file>
 
-<file path=customXml/item2.xml><?xml version="1.0" encoding="utf-8"?>
-<?mso-contentType ?>
-<FormTemplates xmlns="http://schemas.microsoft.com/sharepoint/v3/contenttype/forms">
-  <Display>DocumentLibraryForm</Display>
-  <Edit>DocumentLibraryForm</Edit>
-  <New>DocumentLibraryForm</New>
-</FormTemplates>
-</file>
-
 <file path=customXml/item3.xml><?xml version="1.0" encoding="utf-8"?>
 <p:properties xmlns:p="http://schemas.microsoft.com/office/2006/metadata/properties" xmlns:xsi="http://www.w3.org/2001/XMLSchema-instance" xmlns:pc="http://schemas.microsoft.com/office/infopath/2007/PartnerControls">
   <documentManagement>
@@ -23587,6 +23760,14 @@
 </file>
 
 <file path=customXml/itemProps1.xml><?xml version="1.0" encoding="utf-8"?>
+<ds:datastoreItem xmlns:ds="http://schemas.openxmlformats.org/officeDocument/2006/customXml" ds:itemID="{80BB2B2B-C092-4034-8027-ED80E70B81A9}">
+  <ds:schemaRefs>
+    <ds:schemaRef ds:uri="http://schemas.microsoft.com/sharepoint/v3/contenttype/forms"/>
+  </ds:schemaRefs>
+</ds:datastoreItem>
+</file>
+
+<file path=customXml/itemProps2.xml><?xml version="1.0" encoding="utf-8"?>
 <ds:datastoreItem xmlns:ds="http://schemas.openxmlformats.org/officeDocument/2006/customXml" ds:itemID="{40BD0185-E894-43F5-A381-22FE8094B9A3}">
   <ds:schemaRefs>
     <ds:schemaRef ds:uri="http://schemas.microsoft.com/office/2006/metadata/contentType"/>
@@ -23605,14 +23786,6 @@
 </ds:datastoreItem>
 </file>
 
-<file path=customXml/itemProps2.xml><?xml version="1.0" encoding="utf-8"?>
-<ds:datastoreItem xmlns:ds="http://schemas.openxmlformats.org/officeDocument/2006/customXml" ds:itemID="{80BB2B2B-C092-4034-8027-ED80E70B81A9}">
-  <ds:schemaRefs>
-    <ds:schemaRef ds:uri="http://schemas.microsoft.com/sharepoint/v3/contenttype/forms"/>
-  </ds:schemaRefs>
-</ds:datastoreItem>
-</file>
-
 <file path=customXml/itemProps3.xml><?xml version="1.0" encoding="utf-8"?>
 <ds:datastoreItem xmlns:ds="http://schemas.openxmlformats.org/officeDocument/2006/customXml" ds:itemID="{9A2E6E59-6E17-40F8-B412-65DEC6629148}">
   <ds:schemaRefs>
